--- a/Courses/Software-Sciences/Module-1-OOP/05.1-Methods-Basics/05.1-Methods-Basics.pptx
+++ b/Courses/Software-Sciences/Module-1-OOP/05.1-Methods-Basics/05.1-Methods-Basics.pptx
@@ -329,7 +329,7 @@
           <a:p>
             <a:fld id="{4E087215-0C8F-4762-A664-737A353EC9A4}" type="datetimeFigureOut">
               <a:rPr lang="bg-BG" smtClean="0"/>
-              <a:t>29.09.23 г.</a:t>
+              <a:t>9.06.24 г.</a:t>
             </a:fld>
             <a:endParaRPr lang="bg-BG"/>
           </a:p>
@@ -525,7 +525,7 @@
           <a:p>
             <a:fld id="{72D84649-876A-46C9-8472-14CB09C070D8}" type="datetimeFigureOut">
               <a:rPr lang="en-US" smtClean="0"/>
-              <a:t>9/29/23</a:t>
+              <a:t>6/9/24</a:t>
             </a:fld>
             <a:endParaRPr lang="en-US"/>
           </a:p>
@@ -9325,16 +9325,7 @@
                 </a:solidFill>
                 <a:latin typeface="Consolas" pitchFamily="49" charset="0"/>
               </a:rPr>
-              <a:t>PrintHeader</a:t>
-            </a:r>
-            <a:r>
-              <a:rPr lang="en-US" sz="2599" b="1" noProof="1">
-                <a:solidFill>
-                  <a:srgbClr val="FFA000"/>
-                </a:solidFill>
-                <a:latin typeface="Consolas" pitchFamily="49" charset="0"/>
-              </a:rPr>
-              <a:t>()</a:t>
+              <a:t>PrintHeader()</a:t>
             </a:r>
             <a:r>
               <a:rPr lang="en-US" sz="2599" b="1" noProof="1">
@@ -10148,6 +10139,55 @@
                       </p:childTnLst>
                     </p:cTn>
                   </p:par>
+                  <p:par>
+                    <p:cTn id="15" fill="hold">
+                      <p:stCondLst>
+                        <p:cond delay="indefinite"/>
+                      </p:stCondLst>
+                      <p:childTnLst>
+                        <p:par>
+                          <p:cTn id="16" fill="hold">
+                            <p:stCondLst>
+                              <p:cond delay="0"/>
+                            </p:stCondLst>
+                            <p:childTnLst>
+                              <p:par>
+                                <p:cTn id="17" presetID="1" presetClass="entr" presetSubtype="0" fill="hold" nodeType="clickEffect">
+                                  <p:stCondLst>
+                                    <p:cond delay="0"/>
+                                  </p:stCondLst>
+                                  <p:childTnLst>
+                                    <p:set>
+                                      <p:cBhvr>
+                                        <p:cTn id="18" dur="1" fill="hold">
+                                          <p:stCondLst>
+                                            <p:cond delay="0"/>
+                                          </p:stCondLst>
+                                        </p:cTn>
+                                        <p:tgtEl>
+                                          <p:spTgt spid="7">
+                                            <p:txEl>
+                                              <p:pRg st="1" end="1"/>
+                                            </p:txEl>
+                                          </p:spTgt>
+                                        </p:tgtEl>
+                                        <p:attrNameLst>
+                                          <p:attrName>style.visibility</p:attrName>
+                                        </p:attrNameLst>
+                                      </p:cBhvr>
+                                      <p:to>
+                                        <p:strVal val="visible"/>
+                                      </p:to>
+                                    </p:set>
+                                  </p:childTnLst>
+                                </p:cTn>
+                              </p:par>
+                            </p:childTnLst>
+                          </p:cTn>
+                        </p:par>
+                      </p:childTnLst>
+                    </p:cTn>
+                  </p:par>
                 </p:childTnLst>
               </p:cTn>
               <p:prevCondLst>
@@ -12419,8 +12459,8 @@
         </p:nvSpPr>
         <p:spPr bwMode="auto">
           <a:xfrm>
-            <a:off x="5343049" y="5260362"/>
-            <a:ext cx="4394320" cy="1296057"/>
+            <a:off x="5349479" y="5160749"/>
+            <a:ext cx="4394320" cy="1189225"/>
           </a:xfrm>
           <a:prstGeom prst="wedgeRoundRectCallout">
             <a:avLst>
@@ -12653,6 +12693,8 @@
                     <a:lumOff val="40000"/>
                   </a:schemeClr>
                 </a:solidFill>
+                <a:latin typeface="Consolas" panose="020B0609020204030204" pitchFamily="49" charset="0"/>
+                <a:cs typeface="Consolas" panose="020B0609020204030204" pitchFamily="49" charset="0"/>
               </a:rPr>
               <a:t>int</a:t>
             </a:r>
@@ -13013,7 +13055,7 @@
                   <a:schemeClr val="bg1"/>
                 </a:solidFill>
               </a:rPr>
-              <a:t>име</a:t>
+              <a:t>тип</a:t>
             </a:r>
             <a:r>
               <a:rPr lang="en-US" sz="3600" b="1" dirty="0">
@@ -13045,7 +13087,7 @@
                   <a:schemeClr val="bg1"/>
                 </a:solidFill>
               </a:rPr>
-              <a:t>тип</a:t>
+              <a:t>име</a:t>
             </a:r>
             <a:endParaRPr lang="en-US" b="1" dirty="0">
               <a:solidFill>
@@ -13457,7 +13499,7 @@
         </p:nvSpPr>
         <p:spPr bwMode="auto">
           <a:xfrm>
-            <a:off x="8807527" y="3321126"/>
+            <a:off x="8751000" y="3321126"/>
             <a:ext cx="2823473" cy="1037858"/>
           </a:xfrm>
           <a:prstGeom prst="wedgeRoundRectCallout">
@@ -13551,13 +13593,13 @@
         </p:nvSpPr>
         <p:spPr bwMode="auto">
           <a:xfrm>
-            <a:off x="561000" y="3372688"/>
+            <a:off x="902017" y="3372688"/>
             <a:ext cx="3933983" cy="1037858"/>
           </a:xfrm>
           <a:prstGeom prst="wedgeRoundRectCallout">
             <a:avLst>
-              <a:gd name="adj1" fmla="val 66685"/>
-              <a:gd name="adj2" fmla="val 56748"/>
+              <a:gd name="adj1" fmla="val 47977"/>
+              <a:gd name="adj2" fmla="val 39557"/>
               <a:gd name="adj3" fmla="val 16667"/>
             </a:avLst>
           </a:prstGeom>
@@ -14841,7 +14883,7 @@
         <p:spPr>
           <a:xfrm>
             <a:off x="971691" y="1359000"/>
-            <a:ext cx="10248617" cy="4619314"/>
+            <a:ext cx="10248617" cy="5019424"/>
           </a:xfrm>
           <a:prstGeom prst="rect">
             <a:avLst/>
@@ -15048,7 +15090,7 @@
                   <a:schemeClr val="bg1"/>
                 </a:solidFill>
               </a:rPr>
-              <a:t>GetMax</a:t>
+              <a:t>PrintBiggerInt</a:t>
             </a:r>
             <a:r>
               <a:rPr lang="en-US" sz="2600" noProof="1"/>
@@ -16110,7 +16152,7 @@
                   <a:schemeClr val="bg1"/>
                 </a:solidFill>
               </a:rPr>
-              <a:t>GetMax</a:t>
+              <a:t>PrintBiggerInt</a:t>
             </a:r>
             <a:r>
               <a:rPr lang="en-US" sz="2600" noProof="1"/>
@@ -17966,7 +18008,7 @@
                   <a:schemeClr val="bg1"/>
                 </a:solidFill>
               </a:rPr>
-              <a:t>PrintInWords</a:t>
+              <a:t>PrintGradeInWords</a:t>
             </a:r>
             <a:r>
               <a:rPr lang="en-US" sz="2600" noProof="1"/>
@@ -18003,7 +18045,7 @@
                   <a:schemeClr val="bg1"/>
                 </a:solidFill>
               </a:rPr>
-              <a:t>PrintInWords</a:t>
+              <a:t>PrintGradeInWords</a:t>
             </a:r>
             <a:r>
               <a:rPr lang="en-US" sz="2600" noProof="1"/>
@@ -19713,8 +19755,12 @@
               </a:buClr>
             </a:pPr>
             <a:r>
+              <a:rPr lang="bg-BG" sz="3200" b="1" dirty="0"/>
+              <a:t>Именуване</a:t>
+            </a:r>
+            <a:r>
               <a:rPr lang="bg-BG" sz="3200" dirty="0"/>
-              <a:t>Именуване и утвърдени практики</a:t>
+              <a:t> и утвърдени практики</a:t>
             </a:r>
             <a:endParaRPr lang="en-US" sz="3200" dirty="0"/>
           </a:p>
@@ -20321,7 +20367,7 @@
                 <a:latin typeface="Consolas" pitchFamily="49" charset="0"/>
                 <a:cs typeface="Consolas" pitchFamily="49" charset="0"/>
               </a:rPr>
-              <a:t>PrintSign</a:t>
+              <a:t>PrintNumberSign</a:t>
             </a:r>
             <a:r>
               <a:rPr lang="en-US" sz="2600" b="1" noProof="1">
@@ -20374,7 +20420,7 @@
                 <a:latin typeface="Consolas" pitchFamily="49" charset="0"/>
                 <a:cs typeface="Consolas" pitchFamily="49" charset="0"/>
               </a:rPr>
-              <a:t>PrintSign</a:t>
+              <a:t>PrintNumberSign</a:t>
             </a:r>
             <a:r>
               <a:rPr lang="en-US" sz="2600" b="1" noProof="1">
@@ -22486,6 +22532,26 @@
               <a:t> ширина</a:t>
             </a:r>
             <a:r>
+              <a:rPr lang="en-US" b="1" dirty="0">
+                <a:solidFill>
+                  <a:schemeClr val="bg1"/>
+                </a:solidFill>
+              </a:rPr>
+              <a:t> </a:t>
+            </a:r>
+            <a:r>
+              <a:rPr lang="en-US" dirty="0"/>
+              <a:t>(</a:t>
+            </a:r>
+            <a:r>
+              <a:rPr lang="bg-BG" dirty="0"/>
+              <a:t>цели числа</a:t>
+            </a:r>
+            <a:r>
+              <a:rPr lang="en-US" dirty="0"/>
+              <a:t>)</a:t>
+            </a:r>
+            <a:r>
               <a:rPr lang="bg-BG" dirty="0"/>
               <a:t>:</a:t>
             </a:r>
@@ -23950,7 +24016,7 @@
                 </a:solidFill>
                 <a:effectLst/>
               </a:rPr>
-              <a:t>static double </a:t>
+              <a:t>static int </a:t>
             </a:r>
             <a:r>
               <a:rPr lang="en-US" sz="2599" dirty="0">
@@ -23968,7 +24034,7 @@
                 </a:solidFill>
                 <a:effectLst/>
               </a:rPr>
-              <a:t>(double </a:t>
+              <a:t>(int </a:t>
             </a:r>
             <a:r>
               <a:rPr lang="en-US" sz="2599" dirty="0">
@@ -23986,7 +24052,7 @@
                 </a:solidFill>
                 <a:effectLst/>
               </a:rPr>
-              <a:t>,double </a:t>
+              <a:t>, int </a:t>
             </a:r>
             <a:r>
               <a:rPr lang="en-US" sz="2599" dirty="0">
@@ -24334,7 +24400,7 @@
                 </a:solidFill>
                 <a:effectLst/>
               </a:rPr>
-              <a:t>  double width = double.Parse(Console.ReadLine());</a:t>
+              <a:t>  int width = int.Parse(Console.ReadLine());</a:t>
             </a:r>
           </a:p>
           <a:p>
@@ -24350,7 +24416,7 @@
                 </a:solidFill>
                 <a:effectLst/>
               </a:rPr>
-              <a:t>  double height = double.Parse(Console.ReadLine());</a:t>
+              <a:t>  int height = int.Parse(Console.ReadLine());</a:t>
             </a:r>
           </a:p>
           <a:p>
@@ -24366,7 +24432,7 @@
                 </a:solidFill>
                 <a:effectLst/>
               </a:rPr>
-              <a:t>  double area = </a:t>
+              <a:t>  int area = </a:t>
             </a:r>
             <a:r>
               <a:rPr lang="en-US" sz="2599" dirty="0">
@@ -28835,6 +28901,55 @@
                                         <p:tgtEl>
                                           <p:spTgt spid="545795">
                                             <p:txEl>
+                                              <p:pRg st="1" end="1"/>
+                                            </p:txEl>
+                                          </p:spTgt>
+                                        </p:tgtEl>
+                                        <p:attrNameLst>
+                                          <p:attrName>style.visibility</p:attrName>
+                                        </p:attrNameLst>
+                                      </p:cBhvr>
+                                      <p:to>
+                                        <p:strVal val="visible"/>
+                                      </p:to>
+                                    </p:set>
+                                  </p:childTnLst>
+                                </p:cTn>
+                              </p:par>
+                            </p:childTnLst>
+                          </p:cTn>
+                        </p:par>
+                      </p:childTnLst>
+                    </p:cTn>
+                  </p:par>
+                  <p:par>
+                    <p:cTn id="7" fill="hold">
+                      <p:stCondLst>
+                        <p:cond delay="indefinite"/>
+                      </p:stCondLst>
+                      <p:childTnLst>
+                        <p:par>
+                          <p:cTn id="8" fill="hold">
+                            <p:stCondLst>
+                              <p:cond delay="0"/>
+                            </p:stCondLst>
+                            <p:childTnLst>
+                              <p:par>
+                                <p:cTn id="9" presetID="1" presetClass="entr" presetSubtype="0" fill="hold" nodeType="clickEffect">
+                                  <p:stCondLst>
+                                    <p:cond delay="0"/>
+                                  </p:stCondLst>
+                                  <p:childTnLst>
+                                    <p:set>
+                                      <p:cBhvr>
+                                        <p:cTn id="10" dur="1" fill="hold">
+                                          <p:stCondLst>
+                                            <p:cond delay="0"/>
+                                          </p:stCondLst>
+                                        </p:cTn>
+                                        <p:tgtEl>
+                                          <p:spTgt spid="545795">
+                                            <p:txEl>
                                               <p:pRg st="2" end="2"/>
                                             </p:txEl>
                                           </p:spTgt>
@@ -28850,15 +28965,33 @@
                                   </p:childTnLst>
                                 </p:cTn>
                               </p:par>
+                            </p:childTnLst>
+                          </p:cTn>
+                        </p:par>
+                      </p:childTnLst>
+                    </p:cTn>
+                  </p:par>
+                  <p:par>
+                    <p:cTn id="11" fill="hold">
+                      <p:stCondLst>
+                        <p:cond delay="indefinite"/>
+                      </p:stCondLst>
+                      <p:childTnLst>
+                        <p:par>
+                          <p:cTn id="12" fill="hold">
+                            <p:stCondLst>
+                              <p:cond delay="0"/>
+                            </p:stCondLst>
+                            <p:childTnLst>
                               <p:par>
-                                <p:cTn id="7" presetID="1" presetClass="entr" presetSubtype="0" fill="hold" nodeType="withEffect">
+                                <p:cTn id="13" presetID="1" presetClass="entr" presetSubtype="0" fill="hold" nodeType="clickEffect">
                                   <p:stCondLst>
                                     <p:cond delay="0"/>
                                   </p:stCondLst>
                                   <p:childTnLst>
                                     <p:set>
                                       <p:cBhvr>
-                                        <p:cTn id="8" dur="1" fill="hold">
+                                        <p:cTn id="14" dur="1" fill="hold">
                                           <p:stCondLst>
                                             <p:cond delay="0"/>
                                           </p:stCondLst>
@@ -28888,26 +29021,26 @@
                     </p:cTn>
                   </p:par>
                   <p:par>
-                    <p:cTn id="9" fill="hold">
+                    <p:cTn id="15" fill="hold">
                       <p:stCondLst>
                         <p:cond delay="indefinite"/>
                       </p:stCondLst>
                       <p:childTnLst>
                         <p:par>
-                          <p:cTn id="10" fill="hold">
+                          <p:cTn id="16" fill="hold">
                             <p:stCondLst>
                               <p:cond delay="0"/>
                             </p:stCondLst>
                             <p:childTnLst>
                               <p:par>
-                                <p:cTn id="11" presetID="1" presetClass="entr" presetSubtype="0" fill="hold" grpId="0" nodeType="clickEffect">
+                                <p:cTn id="17" presetID="1" presetClass="entr" presetSubtype="0" fill="hold" grpId="0" nodeType="clickEffect">
                                   <p:stCondLst>
                                     <p:cond delay="0"/>
                                   </p:stCondLst>
                                   <p:childTnLst>
                                     <p:set>
                                       <p:cBhvr>
-                                        <p:cTn id="12" dur="1" fill="hold">
+                                        <p:cTn id="18" dur="1" fill="hold">
                                           <p:stCondLst>
                                             <p:cond delay="0"/>
                                           </p:stCondLst>
@@ -28927,14 +29060,14 @@
                                 </p:cTn>
                               </p:par>
                               <p:par>
-                                <p:cTn id="13" presetID="1" presetClass="entr" presetSubtype="0" fill="hold" grpId="0" nodeType="withEffect">
+                                <p:cTn id="19" presetID="1" presetClass="entr" presetSubtype="0" fill="hold" grpId="0" nodeType="withEffect">
                                   <p:stCondLst>
                                     <p:cond delay="0"/>
                                   </p:stCondLst>
                                   <p:childTnLst>
                                     <p:set>
                                       <p:cBhvr>
-                                        <p:cTn id="14" dur="1" fill="hold">
+                                        <p:cTn id="20" dur="1" fill="hold">
                                           <p:stCondLst>
                                             <p:cond delay="0"/>
                                           </p:stCondLst>
@@ -30785,7 +30918,7 @@
                   </a:schemeClr>
                 </a:solidFill>
               </a:rPr>
-              <a:t>декларация</a:t>
+              <a:t>дефиниция</a:t>
             </a:r>
             <a:r>
               <a:rPr lang="en-US" sz="3400" dirty="0">
@@ -30820,7 +30953,7 @@
                   </a:schemeClr>
                 </a:solidFill>
               </a:rPr>
-              <a:t>тяло</a:t>
+              <a:t>извикване</a:t>
             </a:r>
             <a:endParaRPr lang="en-US" sz="3400" b="1" dirty="0">
               <a:solidFill>
@@ -31497,7 +31630,7 @@
 </file>
 
 <file path=ppt/slides/slide34.xml><?xml version="1.0" encoding="utf-8"?>
-<p:sld xmlns:a="http://schemas.openxmlformats.org/drawingml/2006/main" xmlns:r="http://schemas.openxmlformats.org/officeDocument/2006/relationships" xmlns:p="http://schemas.openxmlformats.org/presentationml/2006/main">
+<p:sld xmlns:a="http://schemas.openxmlformats.org/drawingml/2006/main" xmlns:r="http://schemas.openxmlformats.org/officeDocument/2006/relationships" xmlns:p="http://schemas.openxmlformats.org/presentationml/2006/main" show="0">
   <p:cSld>
     <p:spTree>
       <p:nvGrpSpPr>
@@ -31868,11 +32001,11 @@
   <p:clrMapOvr>
     <a:masterClrMapping/>
   </p:clrMapOvr>
-  <mc:AlternateContent xmlns:mc="http://schemas.openxmlformats.org/markup-compatibility/2006" xmlns:p14="http://schemas.microsoft.com/office/powerpoint/2010/main">
-    <mc:Choice Requires="p14">
+  <mc:AlternateContent xmlns:mc="http://schemas.openxmlformats.org/markup-compatibility/2006">
+    <mc:Choice xmlns:p14="http://schemas.microsoft.com/office/powerpoint/2010/main" Requires="p14">
       <p:transition spd="slow" p14:dur="2000" advClick="0" advTm="5000"/>
     </mc:Choice>
-    <mc:Fallback xmlns="">
+    <mc:Fallback>
       <p:transition spd="slow" advClick="0" advTm="5000"/>
     </mc:Fallback>
   </mc:AlternateContent>
@@ -31908,7 +32041,7 @@
         </p:nvSpPr>
         <p:spPr>
           <a:xfrm>
-            <a:off x="2131766" y="1121143"/>
+            <a:off x="2046000" y="1121143"/>
             <a:ext cx="10129234" cy="5546589"/>
           </a:xfrm>
         </p:spPr>
@@ -31940,9 +32073,13 @@
             </a:r>
             <a:r>
               <a:rPr lang="bg-BG" sz="3200" dirty="0"/>
-              <a:t>който може в определен момент да бъде извикан</a:t>
-            </a:r>
-            <a:endParaRPr lang="en-US" sz="3200" dirty="0"/>
+              <a:t>който може в определен момент да бъде </a:t>
+            </a:r>
+            <a:r>
+              <a:rPr lang="bg-BG" sz="3200" b="1" dirty="0"/>
+              <a:t>извикан</a:t>
+            </a:r>
+            <a:endParaRPr lang="en-US" sz="3200" b="1" dirty="0"/>
           </a:p>
           <a:p>
             <a:pPr>
@@ -31952,7 +32089,11 @@
             </a:pPr>
             <a:r>
               <a:rPr lang="bg-BG" sz="3200" dirty="0"/>
-              <a:t>Пример за дефиниция на метод</a:t>
+              <a:t>Пример за </a:t>
+            </a:r>
+            <a:r>
+              <a:rPr lang="bg-BG" sz="3200" b="1" dirty="0"/>
+              <a:t>дефиниция на метод</a:t>
             </a:r>
             <a:r>
               <a:rPr lang="en-US" sz="3200" dirty="0"/>
@@ -35325,8 +35466,8 @@
         </p:nvSpPr>
         <p:spPr bwMode="auto">
           <a:xfrm>
-            <a:off x="2188643" y="2270679"/>
-            <a:ext cx="7313295" cy="2113462"/>
+            <a:off x="2971940" y="2237111"/>
+            <a:ext cx="7132348" cy="2087347"/>
           </a:xfrm>
           <a:prstGeom prst="rect">
             <a:avLst/>
@@ -35385,28 +35526,13 @@
                 </a:solidFill>
                 <a:latin typeface="Consolas" pitchFamily="49" charset="0"/>
               </a:rPr>
-              <a:t>void PrintText</a:t>
+              <a:t>void PrintHello</a:t>
             </a:r>
             <a:r>
               <a:rPr lang="en-GB" sz="2799" b="1" noProof="1">
                 <a:latin typeface="Consolas" pitchFamily="49" charset="0"/>
               </a:rPr>
-              <a:t>(</a:t>
-            </a:r>
-            <a:r>
-              <a:rPr lang="en-GB" sz="2799" b="1" noProof="1">
-                <a:solidFill>
-                  <a:schemeClr val="bg1"/>
-                </a:solidFill>
-                <a:latin typeface="Consolas" pitchFamily="49" charset="0"/>
-              </a:rPr>
-              <a:t>string text</a:t>
-            </a:r>
-            <a:r>
-              <a:rPr lang="en-GB" sz="2799" b="1" noProof="1">
-                <a:latin typeface="Consolas" pitchFamily="49" charset="0"/>
-              </a:rPr>
-              <a:t>)</a:t>
+              <a:t>()</a:t>
             </a:r>
           </a:p>
           <a:p>
@@ -35426,7 +35552,7 @@
               <a:rPr lang="en-GB" sz="2799" b="1" noProof="1">
                 <a:latin typeface="Consolas" pitchFamily="49" charset="0"/>
               </a:rPr>
-              <a:t>{</a:t>
+              <a:t>{     </a:t>
             </a:r>
           </a:p>
           <a:p>
@@ -35446,7 +35572,7 @@
               <a:rPr lang="en-GB" sz="2799" b="1" noProof="1">
                 <a:latin typeface="Consolas" pitchFamily="49" charset="0"/>
               </a:rPr>
-              <a:t>  Console.WriteLine(text);</a:t>
+              <a:t>	Console.WriteLine("Hello");</a:t>
             </a:r>
           </a:p>
           <a:p>
@@ -35512,13 +35638,13 @@
         </p:nvSpPr>
         <p:spPr bwMode="auto">
           <a:xfrm>
-            <a:off x="4881000" y="1131496"/>
+            <a:off x="5638760" y="1073847"/>
             <a:ext cx="2609800" cy="710185"/>
           </a:xfrm>
           <a:prstGeom prst="wedgeRoundRectCallout">
             <a:avLst>
-              <a:gd name="adj1" fmla="val -27116"/>
-              <a:gd name="adj2" fmla="val 122611"/>
+              <a:gd name="adj1" fmla="val -2334"/>
+              <a:gd name="adj2" fmla="val 138313"/>
               <a:gd name="adj3" fmla="val 16667"/>
             </a:avLst>
           </a:prstGeom>
@@ -35595,13 +35721,13 @@
         </p:nvSpPr>
         <p:spPr bwMode="auto">
           <a:xfrm>
-            <a:off x="1809351" y="1017776"/>
+            <a:off x="2569105" y="1094722"/>
             <a:ext cx="2536895" cy="955019"/>
           </a:xfrm>
           <a:prstGeom prst="wedgeRoundRectCallout">
             <a:avLst>
-              <a:gd name="adj1" fmla="val 39896"/>
-              <a:gd name="adj2" fmla="val 101530"/>
+              <a:gd name="adj1" fmla="val 33742"/>
+              <a:gd name="adj2" fmla="val 87518"/>
               <a:gd name="adj3" fmla="val 16667"/>
             </a:avLst>
           </a:prstGeom>
@@ -35670,97 +35796,6 @@
       </p:sp>
       <p:sp>
         <p:nvSpPr>
-          <p:cNvPr id="13" name="AutoShape 23"/>
-          <p:cNvSpPr>
-            <a:spLocks noChangeArrowheads="1"/>
-          </p:cNvSpPr>
-          <p:nvPr/>
-        </p:nvSpPr>
-        <p:spPr bwMode="auto">
-          <a:xfrm>
-            <a:off x="8032679" y="1017776"/>
-            <a:ext cx="3275664" cy="983453"/>
-          </a:xfrm>
-          <a:prstGeom prst="wedgeRoundRectCallout">
-            <a:avLst>
-              <a:gd name="adj1" fmla="val -41625"/>
-              <a:gd name="adj2" fmla="val 86779"/>
-              <a:gd name="adj3" fmla="val 16667"/>
-            </a:avLst>
-          </a:prstGeom>
-          <a:solidFill>
-            <a:schemeClr val="dk2">
-              <a:alpha val="80000"/>
-            </a:schemeClr>
-          </a:solidFill>
-          <a:ln w="19050">
-            <a:solidFill>
-              <a:schemeClr val="tx1">
-                <a:lumMod val="75000"/>
-                <a:alpha val="80000"/>
-              </a:schemeClr>
-            </a:solidFill>
-          </a:ln>
-          <a:effectLst/>
-        </p:spPr>
-        <p:style>
-          <a:lnRef idx="2">
-            <a:schemeClr val="accent1">
-              <a:shade val="50000"/>
-            </a:schemeClr>
-          </a:lnRef>
-          <a:fillRef idx="1001">
-            <a:schemeClr val="dk2"/>
-          </a:fillRef>
-          <a:effectRef idx="0">
-            <a:schemeClr val="accent1"/>
-          </a:effectRef>
-          <a:fontRef idx="minor">
-            <a:schemeClr val="lt1"/>
-          </a:fontRef>
-        </p:style>
-        <p:txBody>
-          <a:bodyPr rot="0" spcFirstLastPara="0" vertOverflow="overflow" horzOverflow="overflow" vert="horz" wrap="square" lIns="91416" tIns="45708" rIns="91416" bIns="45708" numCol="1" spcCol="0" rtlCol="0" fromWordArt="0" anchor="ctr" anchorCtr="0" forceAA="0" compatLnSpc="1">
-            <a:prstTxWarp prst="textNoShape">
-              <a:avLst/>
-            </a:prstTxWarp>
-            <a:noAutofit/>
-          </a:bodyPr>
-          <a:lstStyle/>
-          <a:p>
-            <a:pPr algn="ctr"/>
-            <a:r>
-              <a:rPr lang="bg-BG" sz="2799" b="1" dirty="0">
-                <a:solidFill>
-                  <a:schemeClr val="accent1">
-                    <a:lumMod val="60000"/>
-                    <a:lumOff val="40000"/>
-                  </a:schemeClr>
-                </a:solidFill>
-              </a:rPr>
-              <a:t>Параметри</a:t>
-            </a:r>
-            <a:r>
-              <a:rPr lang="bg-BG" sz="2799" b="1" dirty="0">
-                <a:solidFill>
-                  <a:srgbClr val="FFFFFF"/>
-                </a:solidFill>
-              </a:rPr>
-              <a:t>, които методът приема</a:t>
-            </a:r>
-            <a:endParaRPr lang="bg-BG" sz="2799" b="1" dirty="0">
-              <a:solidFill>
-                <a:schemeClr val="bg1">
-                  <a:lumMod val="60000"/>
-                  <a:lumOff val="40000"/>
-                </a:schemeClr>
-              </a:solidFill>
-            </a:endParaRPr>
-          </a:p>
-        </p:txBody>
-      </p:sp>
-      <p:sp>
-        <p:nvSpPr>
           <p:cNvPr id="14" name="AutoShape 23"/>
           <p:cNvSpPr>
             <a:spLocks noChangeArrowheads="1"/>
@@ -35769,13 +35804,13 @@
         </p:nvSpPr>
         <p:spPr bwMode="auto">
           <a:xfrm>
-            <a:off x="9741000" y="2835684"/>
+            <a:off x="10132641" y="2834016"/>
             <a:ext cx="1619965" cy="983453"/>
           </a:xfrm>
           <a:prstGeom prst="wedgeRoundRectCallout">
             <a:avLst>
-              <a:gd name="adj1" fmla="val -150129"/>
-              <a:gd name="adj2" fmla="val 27140"/>
+              <a:gd name="adj1" fmla="val -97814"/>
+              <a:gd name="adj2" fmla="val 22605"/>
               <a:gd name="adj3" fmla="val 16667"/>
             </a:avLst>
           </a:prstGeom>
@@ -36101,7 +36136,7 @@
                             </p:stCondLst>
                             <p:childTnLst>
                               <p:par>
-                                <p:cTn id="13" presetID="1" presetClass="entr" presetSubtype="0" fill="hold" grpId="0" nodeType="clickEffect">
+                                <p:cTn id="13" presetID="1" presetClass="entr" presetSubtype="0" fill="hold" nodeType="clickEffect">
                                   <p:stCondLst>
                                     <p:cond delay="0"/>
                                   </p:stCondLst>
@@ -36109,51 +36144,6 @@
                                     <p:set>
                                       <p:cBhvr>
                                         <p:cTn id="14" dur="1" fill="hold">
-                                          <p:stCondLst>
-                                            <p:cond delay="0"/>
-                                          </p:stCondLst>
-                                        </p:cTn>
-                                        <p:tgtEl>
-                                          <p:spTgt spid="13"/>
-                                        </p:tgtEl>
-                                        <p:attrNameLst>
-                                          <p:attrName>style.visibility</p:attrName>
-                                        </p:attrNameLst>
-                                      </p:cBhvr>
-                                      <p:to>
-                                        <p:strVal val="visible"/>
-                                      </p:to>
-                                    </p:set>
-                                  </p:childTnLst>
-                                </p:cTn>
-                              </p:par>
-                            </p:childTnLst>
-                          </p:cTn>
-                        </p:par>
-                      </p:childTnLst>
-                    </p:cTn>
-                  </p:par>
-                  <p:par>
-                    <p:cTn id="15" fill="hold">
-                      <p:stCondLst>
-                        <p:cond delay="indefinite"/>
-                      </p:stCondLst>
-                      <p:childTnLst>
-                        <p:par>
-                          <p:cTn id="16" fill="hold">
-                            <p:stCondLst>
-                              <p:cond delay="0"/>
-                            </p:stCondLst>
-                            <p:childTnLst>
-                              <p:par>
-                                <p:cTn id="17" presetID="1" presetClass="entr" presetSubtype="0" fill="hold" nodeType="clickEffect">
-                                  <p:stCondLst>
-                                    <p:cond delay="0"/>
-                                  </p:stCondLst>
-                                  <p:childTnLst>
-                                    <p:set>
-                                      <p:cBhvr>
-                                        <p:cTn id="18" dur="1" fill="hold">
                                           <p:stCondLst>
                                             <p:cond delay="0"/>
                                           </p:stCondLst>
@@ -36177,14 +36167,14 @@
                                 </p:cTn>
                               </p:par>
                               <p:par>
-                                <p:cTn id="19" presetID="1" presetClass="entr" presetSubtype="0" fill="hold" nodeType="withEffect">
+                                <p:cTn id="15" presetID="1" presetClass="entr" presetSubtype="0" fill="hold" nodeType="withEffect">
                                   <p:stCondLst>
                                     <p:cond delay="0"/>
                                   </p:stCondLst>
                                   <p:childTnLst>
                                     <p:set>
                                       <p:cBhvr>
-                                        <p:cTn id="20" dur="1" fill="hold">
+                                        <p:cTn id="16" dur="1" fill="hold">
                                           <p:stCondLst>
                                             <p:cond delay="0"/>
                                           </p:stCondLst>
@@ -36208,7 +36198,56 @@
                                 </p:cTn>
                               </p:par>
                               <p:par>
-                                <p:cTn id="21" presetID="1" presetClass="entr" presetSubtype="0" fill="hold" nodeType="withEffect">
+                                <p:cTn id="17" presetID="1" presetClass="entr" presetSubtype="0" fill="hold" nodeType="withEffect">
+                                  <p:stCondLst>
+                                    <p:cond delay="0"/>
+                                  </p:stCondLst>
+                                  <p:childTnLst>
+                                    <p:set>
+                                      <p:cBhvr>
+                                        <p:cTn id="18" dur="1" fill="hold">
+                                          <p:stCondLst>
+                                            <p:cond delay="0"/>
+                                          </p:stCondLst>
+                                        </p:cTn>
+                                        <p:tgtEl>
+                                          <p:spTgt spid="20">
+                                            <p:txEl>
+                                              <p:pRg st="3" end="3"/>
+                                            </p:txEl>
+                                          </p:spTgt>
+                                        </p:tgtEl>
+                                        <p:attrNameLst>
+                                          <p:attrName>style.visibility</p:attrName>
+                                        </p:attrNameLst>
+                                      </p:cBhvr>
+                                      <p:to>
+                                        <p:strVal val="visible"/>
+                                      </p:to>
+                                    </p:set>
+                                  </p:childTnLst>
+                                </p:cTn>
+                              </p:par>
+                            </p:childTnLst>
+                          </p:cTn>
+                        </p:par>
+                      </p:childTnLst>
+                    </p:cTn>
+                  </p:par>
+                  <p:par>
+                    <p:cTn id="19" fill="hold">
+                      <p:stCondLst>
+                        <p:cond delay="indefinite"/>
+                      </p:stCondLst>
+                      <p:childTnLst>
+                        <p:par>
+                          <p:cTn id="20" fill="hold">
+                            <p:stCondLst>
+                              <p:cond delay="0"/>
+                            </p:stCondLst>
+                            <p:childTnLst>
+                              <p:par>
+                                <p:cTn id="21" presetID="1" presetClass="entr" presetSubtype="0" fill="hold" grpId="0" nodeType="clickEffect">
                                   <p:stCondLst>
                                     <p:cond delay="0"/>
                                   </p:stCondLst>
@@ -36221,11 +36260,7 @@
                                           </p:stCondLst>
                                         </p:cTn>
                                         <p:tgtEl>
-                                          <p:spTgt spid="20">
-                                            <p:txEl>
-                                              <p:pRg st="3" end="3"/>
-                                            </p:txEl>
-                                          </p:spTgt>
+                                          <p:spTgt spid="14"/>
                                         </p:tgtEl>
                                         <p:attrNameLst>
                                           <p:attrName>style.visibility</p:attrName>
@@ -36257,7 +36292,7 @@
                             </p:stCondLst>
                             <p:childTnLst>
                               <p:par>
-                                <p:cTn id="25" presetID="1" presetClass="entr" presetSubtype="0" fill="hold" grpId="0" nodeType="clickEffect">
+                                <p:cTn id="25" presetID="1" presetClass="entr" presetSubtype="0" fill="hold" nodeType="clickEffect">
                                   <p:stCondLst>
                                     <p:cond delay="0"/>
                                   </p:stCondLst>
@@ -36270,7 +36305,11 @@
                                           </p:stCondLst>
                                         </p:cTn>
                                         <p:tgtEl>
-                                          <p:spTgt spid="14"/>
+                                          <p:spTgt spid="7">
+                                            <p:txEl>
+                                              <p:pRg st="5" end="5"/>
+                                            </p:txEl>
+                                          </p:spTgt>
                                         </p:tgtEl>
                                         <p:attrNameLst>
                                           <p:attrName>style.visibility</p:attrName>
@@ -36310,55 +36349,6 @@
                                     <p:set>
                                       <p:cBhvr>
                                         <p:cTn id="30" dur="1" fill="hold">
-                                          <p:stCondLst>
-                                            <p:cond delay="0"/>
-                                          </p:stCondLst>
-                                        </p:cTn>
-                                        <p:tgtEl>
-                                          <p:spTgt spid="7">
-                                            <p:txEl>
-                                              <p:pRg st="5" end="5"/>
-                                            </p:txEl>
-                                          </p:spTgt>
-                                        </p:tgtEl>
-                                        <p:attrNameLst>
-                                          <p:attrName>style.visibility</p:attrName>
-                                        </p:attrNameLst>
-                                      </p:cBhvr>
-                                      <p:to>
-                                        <p:strVal val="visible"/>
-                                      </p:to>
-                                    </p:set>
-                                  </p:childTnLst>
-                                </p:cTn>
-                              </p:par>
-                            </p:childTnLst>
-                          </p:cTn>
-                        </p:par>
-                      </p:childTnLst>
-                    </p:cTn>
-                  </p:par>
-                  <p:par>
-                    <p:cTn id="31" fill="hold">
-                      <p:stCondLst>
-                        <p:cond delay="indefinite"/>
-                      </p:stCondLst>
-                      <p:childTnLst>
-                        <p:par>
-                          <p:cTn id="32" fill="hold">
-                            <p:stCondLst>
-                              <p:cond delay="0"/>
-                            </p:stCondLst>
-                            <p:childTnLst>
-                              <p:par>
-                                <p:cTn id="33" presetID="1" presetClass="entr" presetSubtype="0" fill="hold" nodeType="clickEffect">
-                                  <p:stCondLst>
-                                    <p:cond delay="0"/>
-                                  </p:stCondLst>
-                                  <p:childTnLst>
-                                    <p:set>
-                                      <p:cBhvr>
-                                        <p:cTn id="34" dur="1" fill="hold">
                                           <p:stCondLst>
                                             <p:cond delay="0"/>
                                           </p:stCondLst>
@@ -36411,7 +36401,6 @@
     <p:bldLst>
       <p:bldP spid="11" grpId="0" animBg="1"/>
       <p:bldP spid="12" grpId="0" animBg="1"/>
-      <p:bldP spid="13" grpId="0" animBg="1"/>
       <p:bldP spid="14" grpId="0" animBg="1"/>
     </p:bldLst>
   </p:timing>
@@ -36739,7 +36728,7 @@
         </p:nvSpPr>
         <p:spPr bwMode="auto">
           <a:xfrm>
-            <a:off x="695401" y="4598696"/>
+            <a:off x="696000" y="4700906"/>
             <a:ext cx="3810595" cy="1968094"/>
           </a:xfrm>
           <a:prstGeom prst="rect">
@@ -36968,7 +36957,7 @@
         </p:nvSpPr>
         <p:spPr bwMode="auto">
           <a:xfrm>
-            <a:off x="5113849" y="5104275"/>
+            <a:off x="4725063" y="5127934"/>
             <a:ext cx="2354989" cy="1114038"/>
           </a:xfrm>
           <a:prstGeom prst="wedgeRoundRectCallout">
